--- a/lab/00_ecvl_eddl_environment/ONNX_in_EDDL.pptx
+++ b/lab/00_ecvl_eddl_environment/ONNX_in_EDDL.pptx
@@ -31893,7 +31893,7 @@
         </p:nvSpPr>
         <p:spPr>
           <a:xfrm>
-            <a:off x="933450" y="1478250"/>
+            <a:off x="933450" y="1622225"/>
             <a:ext cx="7755000" cy="3008700"/>
           </a:xfrm>
           <a:prstGeom prst="rect">
@@ -31946,29 +31946,7 @@
                 <a:spcPct val="150000"/>
               </a:lnSpc>
               <a:spcBef>
-                <a:spcPts val="0"/>
-              </a:spcBef>
-              <a:spcAft>
-                <a:spcPts val="0"/>
-              </a:spcAft>
-              <a:buNone/>
-            </a:pPr>
-            <a:r>
-              <a:t/>
-            </a:r>
-            <a:endParaRPr b="1" sz="1300">
-              <a:solidFill>
-                <a:srgbClr val="145074"/>
-              </a:solidFill>
-            </a:endParaRPr>
-          </a:p>
-          <a:p>
-            <a:pPr indent="0" lvl="0" marL="0" marR="0" rtl="0" algn="l">
-              <a:lnSpc>
-                <a:spcPct val="150000"/>
-              </a:lnSpc>
-              <a:spcBef>
-                <a:spcPts val="0"/>
+                <a:spcPts val="1000"/>
               </a:spcBef>
               <a:spcAft>
                 <a:spcPts val="0"/>
@@ -34717,7 +34695,7 @@
         </p:nvSpPr>
         <p:spPr>
           <a:xfrm>
-            <a:off x="933450" y="1653275"/>
+            <a:off x="933450" y="1544050"/>
             <a:ext cx="7506600" cy="2775300"/>
           </a:xfrm>
           <a:prstGeom prst="rect">
@@ -34748,6 +34726,52 @@
             </a:pPr>
             <a:r>
               <a:rPr lang="en-US" sz="1400"/>
+              <a:t>We </a:t>
+            </a:r>
+            <a:r>
+              <a:rPr b="1" lang="en-US" sz="1400">
+                <a:solidFill>
+                  <a:schemeClr val="dk2"/>
+                </a:solidFill>
+              </a:rPr>
+              <a:t>don’t support</a:t>
+            </a:r>
+            <a:r>
+              <a:rPr lang="en-US" sz="1400"/>
+              <a:t> the full </a:t>
+            </a:r>
+            <a:r>
+              <a:rPr lang="en-US" sz="1400" u="sng">
+                <a:solidFill>
+                  <a:srgbClr val="2AAACB"/>
+                </a:solidFill>
+                <a:hlinkClick r:id="rId3">
+                  <a:extLst>
+                    <a:ext uri="{A12FA001-AC4F-418D-AE19-62706E023703}">
+                      <ahyp:hlinkClr val="tx"/>
+                    </a:ext>
+                  </a:extLst>
+                </a:hlinkClick>
+              </a:rPr>
+              <a:t>ONNX operators set</a:t>
+            </a:r>
+            <a:endParaRPr sz="1400"/>
+          </a:p>
+          <a:p>
+            <a:pPr indent="0" lvl="0" marL="0" marR="0" rtl="0" algn="l">
+              <a:lnSpc>
+                <a:spcPct val="150000"/>
+              </a:lnSpc>
+              <a:spcBef>
+                <a:spcPts val="1000"/>
+              </a:spcBef>
+              <a:spcAft>
+                <a:spcPts val="0"/>
+              </a:spcAft>
+              <a:buNone/>
+            </a:pPr>
+            <a:r>
+              <a:rPr lang="en-US" sz="1400"/>
               <a:t>All the main layers of the EDDL are supported. The </a:t>
             </a:r>
             <a:r>
@@ -34814,7 +34838,7 @@
                 <a:solidFill>
                   <a:srgbClr val="2AAACB"/>
                 </a:solidFill>
-                <a:hlinkClick r:id="rId3">
+                <a:hlinkClick r:id="rId4">
                   <a:extLst>
                     <a:ext uri="{A12FA001-AC4F-418D-AE19-62706E023703}">
                       <ahyp:hlinkClr val="tx"/>
@@ -34943,7 +34967,7 @@
                 <a:solidFill>
                   <a:srgbClr val="2AAACB"/>
                 </a:solidFill>
-                <a:hlinkClick r:id="rId4">
+                <a:hlinkClick r:id="rId5">
                   <a:extLst>
                     <a:ext uri="{A12FA001-AC4F-418D-AE19-62706E023703}">
                       <ahyp:hlinkClr val="tx"/>
@@ -34997,7 +35021,7 @@
                 <a:solidFill>
                   <a:srgbClr val="2AAACB"/>
                 </a:solidFill>
-                <a:hlinkClick r:id="rId5">
+                <a:hlinkClick r:id="rId6">
                   <a:extLst>
                     <a:ext uri="{A12FA001-AC4F-418D-AE19-62706E023703}">
                       <ahyp:hlinkClr val="tx"/>
@@ -35057,7 +35081,7 @@
                 <a:solidFill>
                   <a:srgbClr val="2AAACB"/>
                 </a:solidFill>
-                <a:hlinkClick r:id="rId6">
+                <a:hlinkClick r:id="rId7">
                   <a:extLst>
                     <a:ext uri="{A12FA001-AC4F-418D-AE19-62706E023703}">
                       <ahyp:hlinkClr val="tx"/>
@@ -35292,7 +35316,7 @@
         </p:nvSpPr>
         <p:spPr>
           <a:xfrm>
-            <a:off x="933450" y="1767450"/>
+            <a:off x="933450" y="1896525"/>
             <a:ext cx="6250500" cy="2864700"/>
           </a:xfrm>
           <a:prstGeom prst="rect">
@@ -35369,24 +35393,6 @@
             <a:r>
               <a:rPr b="1" lang="en-US" sz="1400"/>
               <a:t>*</a:t>
-            </a:r>
-            <a:endParaRPr b="1" sz="1400"/>
-          </a:p>
-          <a:p>
-            <a:pPr indent="0" lvl="0" marL="228600" rtl="0" algn="l">
-              <a:lnSpc>
-                <a:spcPct val="150000"/>
-              </a:lnSpc>
-              <a:spcBef>
-                <a:spcPts val="0"/>
-              </a:spcBef>
-              <a:spcAft>
-                <a:spcPts val="0"/>
-              </a:spcAft>
-              <a:buNone/>
-            </a:pPr>
-            <a:r>
-              <a:t/>
             </a:r>
             <a:endParaRPr sz="1400"/>
           </a:p>
@@ -35660,6 +35666,285 @@
 </file>
 
 <file path=ppt/theme/theme1.xml><?xml version="1.0" encoding="utf-8"?>
+<a:theme xmlns:a="http://schemas.openxmlformats.org/drawingml/2006/main" xmlns:r="http://schemas.openxmlformats.org/officeDocument/2006/relationships" name="Tema de Office">
+  <a:themeElements>
+    <a:clrScheme name="Office">
+      <a:dk1>
+        <a:srgbClr val="000000"/>
+      </a:dk1>
+      <a:lt1>
+        <a:srgbClr val="FFFFFF"/>
+      </a:lt1>
+      <a:dk2>
+        <a:srgbClr val="44546A"/>
+      </a:dk2>
+      <a:lt2>
+        <a:srgbClr val="E7E6E6"/>
+      </a:lt2>
+      <a:accent1>
+        <a:srgbClr val="5B9BD5"/>
+      </a:accent1>
+      <a:accent2>
+        <a:srgbClr val="ED7D31"/>
+      </a:accent2>
+      <a:accent3>
+        <a:srgbClr val="A5A5A5"/>
+      </a:accent3>
+      <a:accent4>
+        <a:srgbClr val="FFC000"/>
+      </a:accent4>
+      <a:accent5>
+        <a:srgbClr val="4472C4"/>
+      </a:accent5>
+      <a:accent6>
+        <a:srgbClr val="70AD47"/>
+      </a:accent6>
+      <a:hlink>
+        <a:srgbClr val="0563C1"/>
+      </a:hlink>
+      <a:folHlink>
+        <a:srgbClr val="954F72"/>
+      </a:folHlink>
+    </a:clrScheme>
+    <a:fontScheme name="Office">
+      <a:majorFont>
+        <a:latin typeface="Arial"/>
+        <a:ea typeface=""/>
+        <a:cs typeface=""/>
+        <a:font script="Jpan" typeface="ＭＳ Ｐゴシック"/>
+        <a:font script="Hang" typeface="맑은 고딕"/>
+        <a:font script="Hans" typeface="宋体"/>
+        <a:font script="Hant" typeface="新細明體"/>
+        <a:font script="Arab" typeface="Times New Roman"/>
+        <a:font script="Hebr" typeface="Times New Roman"/>
+        <a:font script="Thai" typeface="Angsana New"/>
+        <a:font script="Ethi" typeface="Nyala"/>
+        <a:font script="Beng" typeface="Vrinda"/>
+        <a:font script="Gujr" typeface="Shruti"/>
+        <a:font script="Khmr" typeface="MoolBoran"/>
+        <a:font script="Knda" typeface="Tunga"/>
+        <a:font script="Guru" typeface="Raavi"/>
+        <a:font script="Cans" typeface="Euphemia"/>
+        <a:font script="Cher" typeface="Plantagenet Cherokee"/>
+        <a:font script="Yiii" typeface="Microsoft Yi Baiti"/>
+        <a:font script="Tibt" typeface="Microsoft Himalaya"/>
+        <a:font script="Thaa" typeface="MV Boli"/>
+        <a:font script="Deva" typeface="Mangal"/>
+        <a:font script="Telu" typeface="Gautami"/>
+        <a:font script="Taml" typeface="Latha"/>
+        <a:font script="Syrc" typeface="Estrangelo Edessa"/>
+        <a:font script="Orya" typeface="Kalinga"/>
+        <a:font script="Mlym" typeface="Kartika"/>
+        <a:font script="Laoo" typeface="DokChampa"/>
+        <a:font script="Sinh" typeface="Iskoola Pota"/>
+        <a:font script="Mong" typeface="Mongolian Baiti"/>
+        <a:font script="Viet" typeface="Times New Roman"/>
+        <a:font script="Uigh" typeface="Microsoft Uighur"/>
+        <a:font script="Geor" typeface="Sylfaen"/>
+      </a:majorFont>
+      <a:minorFont>
+        <a:latin typeface="Arial"/>
+        <a:ea typeface=""/>
+        <a:cs typeface=""/>
+        <a:font script="Jpan" typeface="ＭＳ Ｐゴシック"/>
+        <a:font script="Hang" typeface="맑은 고딕"/>
+        <a:font script="Hans" typeface="宋体"/>
+        <a:font script="Hant" typeface="新細明體"/>
+        <a:font script="Arab" typeface="Arial"/>
+        <a:font script="Hebr" typeface="Arial"/>
+        <a:font script="Thai" typeface="Cordia New"/>
+        <a:font script="Ethi" typeface="Nyala"/>
+        <a:font script="Beng" typeface="Vrinda"/>
+        <a:font script="Gujr" typeface="Shruti"/>
+        <a:font script="Khmr" typeface="DaunPenh"/>
+        <a:font script="Knda" typeface="Tunga"/>
+        <a:font script="Guru" typeface="Raavi"/>
+        <a:font script="Cans" typeface="Euphemia"/>
+        <a:font script="Cher" typeface="Plantagenet Cherokee"/>
+        <a:font script="Yiii" typeface="Microsoft Yi Baiti"/>
+        <a:font script="Tibt" typeface="Microsoft Himalaya"/>
+        <a:font script="Thaa" typeface="MV Boli"/>
+        <a:font script="Deva" typeface="Mangal"/>
+        <a:font script="Telu" typeface="Gautami"/>
+        <a:font script="Taml" typeface="Latha"/>
+        <a:font script="Syrc" typeface="Estrangelo Edessa"/>
+        <a:font script="Orya" typeface="Kalinga"/>
+        <a:font script="Mlym" typeface="Kartika"/>
+        <a:font script="Laoo" typeface="DokChampa"/>
+        <a:font script="Sinh" typeface="Iskoola Pota"/>
+        <a:font script="Mong" typeface="Mongolian Baiti"/>
+        <a:font script="Viet" typeface="Arial"/>
+        <a:font script="Uigh" typeface="Microsoft Uighur"/>
+        <a:font script="Geor" typeface="Sylfaen"/>
+      </a:minorFont>
+    </a:fontScheme>
+    <a:fmtScheme name="Office">
+      <a:fillStyleLst>
+        <a:solidFill>
+          <a:schemeClr val="phClr"/>
+        </a:solidFill>
+        <a:gradFill rotWithShape="1">
+          <a:gsLst>
+            <a:gs pos="0">
+              <a:schemeClr val="phClr">
+                <a:tint val="50000"/>
+                <a:satMod val="300000"/>
+              </a:schemeClr>
+            </a:gs>
+            <a:gs pos="35000">
+              <a:schemeClr val="phClr">
+                <a:tint val="37000"/>
+                <a:satMod val="300000"/>
+              </a:schemeClr>
+            </a:gs>
+            <a:gs pos="100000">
+              <a:schemeClr val="phClr">
+                <a:tint val="15000"/>
+                <a:satMod val="350000"/>
+              </a:schemeClr>
+            </a:gs>
+          </a:gsLst>
+          <a:lin ang="16200000" scaled="1"/>
+        </a:gradFill>
+        <a:gradFill rotWithShape="1">
+          <a:gsLst>
+            <a:gs pos="0">
+              <a:schemeClr val="phClr">
+                <a:tint val="100000"/>
+                <a:shade val="100000"/>
+                <a:satMod val="130000"/>
+              </a:schemeClr>
+            </a:gs>
+            <a:gs pos="100000">
+              <a:schemeClr val="phClr">
+                <a:tint val="50000"/>
+                <a:shade val="100000"/>
+                <a:satMod val="350000"/>
+              </a:schemeClr>
+            </a:gs>
+          </a:gsLst>
+          <a:lin ang="16200000" scaled="0"/>
+        </a:gradFill>
+      </a:fillStyleLst>
+      <a:lnStyleLst>
+        <a:ln w="9525" cap="flat" cmpd="sng" algn="ctr">
+          <a:solidFill>
+            <a:schemeClr val="phClr">
+              <a:shade val="95000"/>
+              <a:satMod val="105000"/>
+            </a:schemeClr>
+          </a:solidFill>
+          <a:prstDash val="solid"/>
+        </a:ln>
+        <a:ln w="25400" cap="flat" cmpd="sng" algn="ctr">
+          <a:solidFill>
+            <a:schemeClr val="phClr"/>
+          </a:solidFill>
+          <a:prstDash val="solid"/>
+        </a:ln>
+        <a:ln w="38100" cap="flat" cmpd="sng" algn="ctr">
+          <a:solidFill>
+            <a:schemeClr val="phClr"/>
+          </a:solidFill>
+          <a:prstDash val="solid"/>
+        </a:ln>
+      </a:lnStyleLst>
+      <a:effectStyleLst>
+        <a:effectStyle>
+          <a:effectLst>
+            <a:outerShdw blurRad="40000" dist="20000" dir="5400000" rotWithShape="0">
+              <a:srgbClr val="000000">
+                <a:alpha val="38000"/>
+              </a:srgbClr>
+            </a:outerShdw>
+          </a:effectLst>
+        </a:effectStyle>
+        <a:effectStyle>
+          <a:effectLst>
+            <a:outerShdw blurRad="40000" dist="23000" dir="5400000" rotWithShape="0">
+              <a:srgbClr val="000000">
+                <a:alpha val="35000"/>
+              </a:srgbClr>
+            </a:outerShdw>
+          </a:effectLst>
+        </a:effectStyle>
+        <a:effectStyle>
+          <a:effectLst>
+            <a:outerShdw blurRad="40000" dist="23000" dir="5400000" rotWithShape="0">
+              <a:srgbClr val="000000">
+                <a:alpha val="35000"/>
+              </a:srgbClr>
+            </a:outerShdw>
+          </a:effectLst>
+          <a:scene3d>
+            <a:camera prst="orthographicFront">
+              <a:rot lat="0" lon="0" rev="0"/>
+            </a:camera>
+            <a:lightRig rig="threePt" dir="t">
+              <a:rot lat="0" lon="0" rev="1200000"/>
+            </a:lightRig>
+          </a:scene3d>
+          <a:sp3d>
+            <a:bevelT w="63500" h="25400"/>
+          </a:sp3d>
+        </a:effectStyle>
+      </a:effectStyleLst>
+      <a:bgFillStyleLst>
+        <a:solidFill>
+          <a:schemeClr val="phClr"/>
+        </a:solidFill>
+        <a:gradFill rotWithShape="1">
+          <a:gsLst>
+            <a:gs pos="0">
+              <a:schemeClr val="phClr">
+                <a:tint val="40000"/>
+                <a:satMod val="350000"/>
+              </a:schemeClr>
+            </a:gs>
+            <a:gs pos="40000">
+              <a:schemeClr val="phClr">
+                <a:tint val="45000"/>
+                <a:shade val="99000"/>
+                <a:satMod val="350000"/>
+              </a:schemeClr>
+            </a:gs>
+            <a:gs pos="100000">
+              <a:schemeClr val="phClr">
+                <a:shade val="20000"/>
+                <a:satMod val="255000"/>
+              </a:schemeClr>
+            </a:gs>
+          </a:gsLst>
+          <a:path path="circle">
+            <a:fillToRect l="50000" t="-80000" r="50000" b="180000"/>
+          </a:path>
+        </a:gradFill>
+        <a:gradFill rotWithShape="1">
+          <a:gsLst>
+            <a:gs pos="0">
+              <a:schemeClr val="phClr">
+                <a:tint val="80000"/>
+                <a:satMod val="300000"/>
+              </a:schemeClr>
+            </a:gs>
+            <a:gs pos="100000">
+              <a:schemeClr val="phClr">
+                <a:shade val="30000"/>
+                <a:satMod val="200000"/>
+              </a:schemeClr>
+            </a:gs>
+          </a:gsLst>
+          <a:path path="circle">
+            <a:fillToRect l="50000" t="50000" r="50000" b="50000"/>
+          </a:path>
+        </a:gradFill>
+      </a:bgFillStyleLst>
+    </a:fmtScheme>
+  </a:themeElements>
+</a:theme>
+</file>
+
+<file path=ppt/theme/theme2.xml><?xml version="1.0" encoding="utf-8"?>
 <a:theme xmlns:a="http://schemas.openxmlformats.org/drawingml/2006/main" xmlns:r="http://schemas.openxmlformats.org/officeDocument/2006/relationships" name="Diseño personalizado">
   <a:themeElements>
     <a:clrScheme name="Personalizado 3">
@@ -35936,283 +36221,4 @@
     </a:fmtScheme>
   </a:themeElements>
 </a:theme>
-</file>
-
-<file path=ppt/theme/theme2.xml><?xml version="1.0" encoding="utf-8"?>
-<a:theme xmlns:a="http://schemas.openxmlformats.org/drawingml/2006/main" xmlns:r="http://schemas.openxmlformats.org/officeDocument/2006/relationships" name="Tema de Office">
-  <a:themeElements>
-    <a:clrScheme name="Office">
-      <a:dk1>
-        <a:srgbClr val="000000"/>
-      </a:dk1>
-      <a:lt1>
-        <a:srgbClr val="FFFFFF"/>
-      </a:lt1>
-      <a:dk2>
-        <a:srgbClr val="44546A"/>
-      </a:dk2>
-      <a:lt2>
-        <a:srgbClr val="E7E6E6"/>
-      </a:lt2>
-      <a:accent1>
-        <a:srgbClr val="5B9BD5"/>
-      </a:accent1>
-      <a:accent2>
-        <a:srgbClr val="ED7D31"/>
-      </a:accent2>
-      <a:accent3>
-        <a:srgbClr val="A5A5A5"/>
-      </a:accent3>
-      <a:accent4>
-        <a:srgbClr val="FFC000"/>
-      </a:accent4>
-      <a:accent5>
-        <a:srgbClr val="4472C4"/>
-      </a:accent5>
-      <a:accent6>
-        <a:srgbClr val="70AD47"/>
-      </a:accent6>
-      <a:hlink>
-        <a:srgbClr val="0563C1"/>
-      </a:hlink>
-      <a:folHlink>
-        <a:srgbClr val="954F72"/>
-      </a:folHlink>
-    </a:clrScheme>
-    <a:fontScheme name="Office">
-      <a:majorFont>
-        <a:latin typeface="Arial"/>
-        <a:ea typeface=""/>
-        <a:cs typeface=""/>
-        <a:font script="Jpan" typeface="ＭＳ Ｐゴシック"/>
-        <a:font script="Hang" typeface="맑은 고딕"/>
-        <a:font script="Hans" typeface="宋体"/>
-        <a:font script="Hant" typeface="新細明體"/>
-        <a:font script="Arab" typeface="Times New Roman"/>
-        <a:font script="Hebr" typeface="Times New Roman"/>
-        <a:font script="Thai" typeface="Angsana New"/>
-        <a:font script="Ethi" typeface="Nyala"/>
-        <a:font script="Beng" typeface="Vrinda"/>
-        <a:font script="Gujr" typeface="Shruti"/>
-        <a:font script="Khmr" typeface="MoolBoran"/>
-        <a:font script="Knda" typeface="Tunga"/>
-        <a:font script="Guru" typeface="Raavi"/>
-        <a:font script="Cans" typeface="Euphemia"/>
-        <a:font script="Cher" typeface="Plantagenet Cherokee"/>
-        <a:font script="Yiii" typeface="Microsoft Yi Baiti"/>
-        <a:font script="Tibt" typeface="Microsoft Himalaya"/>
-        <a:font script="Thaa" typeface="MV Boli"/>
-        <a:font script="Deva" typeface="Mangal"/>
-        <a:font script="Telu" typeface="Gautami"/>
-        <a:font script="Taml" typeface="Latha"/>
-        <a:font script="Syrc" typeface="Estrangelo Edessa"/>
-        <a:font script="Orya" typeface="Kalinga"/>
-        <a:font script="Mlym" typeface="Kartika"/>
-        <a:font script="Laoo" typeface="DokChampa"/>
-        <a:font script="Sinh" typeface="Iskoola Pota"/>
-        <a:font script="Mong" typeface="Mongolian Baiti"/>
-        <a:font script="Viet" typeface="Times New Roman"/>
-        <a:font script="Uigh" typeface="Microsoft Uighur"/>
-        <a:font script="Geor" typeface="Sylfaen"/>
-      </a:majorFont>
-      <a:minorFont>
-        <a:latin typeface="Arial"/>
-        <a:ea typeface=""/>
-        <a:cs typeface=""/>
-        <a:font script="Jpan" typeface="ＭＳ Ｐゴシック"/>
-        <a:font script="Hang" typeface="맑은 고딕"/>
-        <a:font script="Hans" typeface="宋体"/>
-        <a:font script="Hant" typeface="新細明體"/>
-        <a:font script="Arab" typeface="Arial"/>
-        <a:font script="Hebr" typeface="Arial"/>
-        <a:font script="Thai" typeface="Cordia New"/>
-        <a:font script="Ethi" typeface="Nyala"/>
-        <a:font script="Beng" typeface="Vrinda"/>
-        <a:font script="Gujr" typeface="Shruti"/>
-        <a:font script="Khmr" typeface="DaunPenh"/>
-        <a:font script="Knda" typeface="Tunga"/>
-        <a:font script="Guru" typeface="Raavi"/>
-        <a:font script="Cans" typeface="Euphemia"/>
-        <a:font script="Cher" typeface="Plantagenet Cherokee"/>
-        <a:font script="Yiii" typeface="Microsoft Yi Baiti"/>
-        <a:font script="Tibt" typeface="Microsoft Himalaya"/>
-        <a:font script="Thaa" typeface="MV Boli"/>
-        <a:font script="Deva" typeface="Mangal"/>
-        <a:font script="Telu" typeface="Gautami"/>
-        <a:font script="Taml" typeface="Latha"/>
-        <a:font script="Syrc" typeface="Estrangelo Edessa"/>
-        <a:font script="Orya" typeface="Kalinga"/>
-        <a:font script="Mlym" typeface="Kartika"/>
-        <a:font script="Laoo" typeface="DokChampa"/>
-        <a:font script="Sinh" typeface="Iskoola Pota"/>
-        <a:font script="Mong" typeface="Mongolian Baiti"/>
-        <a:font script="Viet" typeface="Arial"/>
-        <a:font script="Uigh" typeface="Microsoft Uighur"/>
-        <a:font script="Geor" typeface="Sylfaen"/>
-      </a:minorFont>
-    </a:fontScheme>
-    <a:fmtScheme name="Office">
-      <a:fillStyleLst>
-        <a:solidFill>
-          <a:schemeClr val="phClr"/>
-        </a:solidFill>
-        <a:gradFill rotWithShape="1">
-          <a:gsLst>
-            <a:gs pos="0">
-              <a:schemeClr val="phClr">
-                <a:tint val="50000"/>
-                <a:satMod val="300000"/>
-              </a:schemeClr>
-            </a:gs>
-            <a:gs pos="35000">
-              <a:schemeClr val="phClr">
-                <a:tint val="37000"/>
-                <a:satMod val="300000"/>
-              </a:schemeClr>
-            </a:gs>
-            <a:gs pos="100000">
-              <a:schemeClr val="phClr">
-                <a:tint val="15000"/>
-                <a:satMod val="350000"/>
-              </a:schemeClr>
-            </a:gs>
-          </a:gsLst>
-          <a:lin ang="16200000" scaled="1"/>
-        </a:gradFill>
-        <a:gradFill rotWithShape="1">
-          <a:gsLst>
-            <a:gs pos="0">
-              <a:schemeClr val="phClr">
-                <a:tint val="100000"/>
-                <a:shade val="100000"/>
-                <a:satMod val="130000"/>
-              </a:schemeClr>
-            </a:gs>
-            <a:gs pos="100000">
-              <a:schemeClr val="phClr">
-                <a:tint val="50000"/>
-                <a:shade val="100000"/>
-                <a:satMod val="350000"/>
-              </a:schemeClr>
-            </a:gs>
-          </a:gsLst>
-          <a:lin ang="16200000" scaled="0"/>
-        </a:gradFill>
-      </a:fillStyleLst>
-      <a:lnStyleLst>
-        <a:ln w="9525" cap="flat" cmpd="sng" algn="ctr">
-          <a:solidFill>
-            <a:schemeClr val="phClr">
-              <a:shade val="95000"/>
-              <a:satMod val="105000"/>
-            </a:schemeClr>
-          </a:solidFill>
-          <a:prstDash val="solid"/>
-        </a:ln>
-        <a:ln w="25400" cap="flat" cmpd="sng" algn="ctr">
-          <a:solidFill>
-            <a:schemeClr val="phClr"/>
-          </a:solidFill>
-          <a:prstDash val="solid"/>
-        </a:ln>
-        <a:ln w="38100" cap="flat" cmpd="sng" algn="ctr">
-          <a:solidFill>
-            <a:schemeClr val="phClr"/>
-          </a:solidFill>
-          <a:prstDash val="solid"/>
-        </a:ln>
-      </a:lnStyleLst>
-      <a:effectStyleLst>
-        <a:effectStyle>
-          <a:effectLst>
-            <a:outerShdw blurRad="40000" dist="20000" dir="5400000" rotWithShape="0">
-              <a:srgbClr val="000000">
-                <a:alpha val="38000"/>
-              </a:srgbClr>
-            </a:outerShdw>
-          </a:effectLst>
-        </a:effectStyle>
-        <a:effectStyle>
-          <a:effectLst>
-            <a:outerShdw blurRad="40000" dist="23000" dir="5400000" rotWithShape="0">
-              <a:srgbClr val="000000">
-                <a:alpha val="35000"/>
-              </a:srgbClr>
-            </a:outerShdw>
-          </a:effectLst>
-        </a:effectStyle>
-        <a:effectStyle>
-          <a:effectLst>
-            <a:outerShdw blurRad="40000" dist="23000" dir="5400000" rotWithShape="0">
-              <a:srgbClr val="000000">
-                <a:alpha val="35000"/>
-              </a:srgbClr>
-            </a:outerShdw>
-          </a:effectLst>
-          <a:scene3d>
-            <a:camera prst="orthographicFront">
-              <a:rot lat="0" lon="0" rev="0"/>
-            </a:camera>
-            <a:lightRig rig="threePt" dir="t">
-              <a:rot lat="0" lon="0" rev="1200000"/>
-            </a:lightRig>
-          </a:scene3d>
-          <a:sp3d>
-            <a:bevelT w="63500" h="25400"/>
-          </a:sp3d>
-        </a:effectStyle>
-      </a:effectStyleLst>
-      <a:bgFillStyleLst>
-        <a:solidFill>
-          <a:schemeClr val="phClr"/>
-        </a:solidFill>
-        <a:gradFill rotWithShape="1">
-          <a:gsLst>
-            <a:gs pos="0">
-              <a:schemeClr val="phClr">
-                <a:tint val="40000"/>
-                <a:satMod val="350000"/>
-              </a:schemeClr>
-            </a:gs>
-            <a:gs pos="40000">
-              <a:schemeClr val="phClr">
-                <a:tint val="45000"/>
-                <a:shade val="99000"/>
-                <a:satMod val="350000"/>
-              </a:schemeClr>
-            </a:gs>
-            <a:gs pos="100000">
-              <a:schemeClr val="phClr">
-                <a:shade val="20000"/>
-                <a:satMod val="255000"/>
-              </a:schemeClr>
-            </a:gs>
-          </a:gsLst>
-          <a:path path="circle">
-            <a:fillToRect l="50000" t="-80000" r="50000" b="180000"/>
-          </a:path>
-        </a:gradFill>
-        <a:gradFill rotWithShape="1">
-          <a:gsLst>
-            <a:gs pos="0">
-              <a:schemeClr val="phClr">
-                <a:tint val="80000"/>
-                <a:satMod val="300000"/>
-              </a:schemeClr>
-            </a:gs>
-            <a:gs pos="100000">
-              <a:schemeClr val="phClr">
-                <a:shade val="30000"/>
-                <a:satMod val="200000"/>
-              </a:schemeClr>
-            </a:gs>
-          </a:gsLst>
-          <a:path path="circle">
-            <a:fillToRect l="50000" t="50000" r="50000" b="50000"/>
-          </a:path>
-        </a:gradFill>
-      </a:bgFillStyleLst>
-    </a:fmtScheme>
-  </a:themeElements>
-</a:theme>
 </file>
--- a/lab/00_ecvl_eddl_environment/ONNX_in_EDDL.pptx
+++ b/lab/00_ecvl_eddl_environment/ONNX_in_EDDL.pptx
@@ -31457,10 +31457,20 @@
               <a:buNone/>
             </a:pPr>
             <a:r>
-              <a:rPr lang="en-US"/>
+              <a:rPr lang="en-US">
+                <a:latin typeface="Raleway"/>
+                <a:ea typeface="Raleway"/>
+                <a:cs typeface="Raleway"/>
+                <a:sym typeface="Raleway"/>
+              </a:rPr>
               <a:t>Lab 0: ECVL + EDDL environment</a:t>
             </a:r>
-            <a:endParaRPr/>
+            <a:endParaRPr>
+              <a:latin typeface="Raleway"/>
+              <a:ea typeface="Raleway"/>
+              <a:cs typeface="Raleway"/>
+              <a:sym typeface="Raleway"/>
+            </a:endParaRPr>
           </a:p>
         </p:txBody>
       </p:sp>
@@ -31664,8 +31674,8 @@
         </p:blipFill>
         <p:spPr>
           <a:xfrm>
-            <a:off x="971788" y="1478249"/>
-            <a:ext cx="7200426" cy="3027250"/>
+            <a:off x="933450" y="1478250"/>
+            <a:ext cx="7257926" cy="3051443"/>
           </a:xfrm>
           <a:prstGeom prst="rect">
             <a:avLst/>
@@ -32272,17 +32282,18 @@
           <p:cNvPicPr preferRelativeResize="0"/>
           <p:nvPr/>
         </p:nvPicPr>
-        <p:blipFill rotWithShape="1">
+        <p:blipFill>
           <a:blip r:embed="rId3">
             <a:alphaModFix/>
           </a:blip>
-          <a:srcRect b="15295" l="6623" r="6675" t="15495"/>
-          <a:stretch/>
+          <a:stretch>
+            <a:fillRect/>
+          </a:stretch>
         </p:blipFill>
         <p:spPr>
           <a:xfrm>
-            <a:off x="1652713" y="1851025"/>
-            <a:ext cx="5838576" cy="2002251"/>
+            <a:off x="1042088" y="1478250"/>
+            <a:ext cx="7059826" cy="3187199"/>
           </a:xfrm>
           <a:prstGeom prst="rect">
             <a:avLst/>
@@ -32439,13 +32450,13 @@
           <a:blip r:embed="rId3">
             <a:alphaModFix/>
           </a:blip>
-          <a:srcRect b="8087" l="6679" r="6575" t="8195"/>
+          <a:srcRect b="8154" l="6774" r="6487" t="8128"/>
           <a:stretch/>
         </p:blipFill>
         <p:spPr>
           <a:xfrm>
-            <a:off x="2378550" y="1478250"/>
-            <a:ext cx="4386902" cy="3390925"/>
+            <a:off x="3142525" y="819150"/>
+            <a:ext cx="4895426" cy="3883350"/>
           </a:xfrm>
           <a:prstGeom prst="rect">
             <a:avLst/>
@@ -32732,6 +32743,10 @@
                 <a:solidFill>
                   <a:srgbClr val="145074"/>
                 </a:solidFill>
+                <a:latin typeface="Raleway"/>
+                <a:ea typeface="Raleway"/>
+                <a:cs typeface="Raleway"/>
+                <a:sym typeface="Raleway"/>
               </a:rPr>
               <a:t>EDDL ONNX documentation</a:t>
             </a:r>
@@ -32739,6 +32754,10 @@
               <a:solidFill>
                 <a:srgbClr val="145074"/>
               </a:solidFill>
+              <a:latin typeface="Raleway"/>
+              <a:ea typeface="Raleway"/>
+              <a:cs typeface="Raleway"/>
+              <a:sym typeface="Raleway"/>
             </a:endParaRPr>
           </a:p>
         </p:txBody>
@@ -32752,7 +32771,7 @@
         <p:spPr>
           <a:xfrm>
             <a:off x="2861525" y="2198975"/>
-            <a:ext cx="4128900" cy="369300"/>
+            <a:ext cx="4128900" cy="354000"/>
           </a:xfrm>
           <a:prstGeom prst="rect">
             <a:avLst/>
@@ -32778,10 +32797,14 @@
               <a:buNone/>
             </a:pPr>
             <a:r>
-              <a:rPr lang="en-US" sz="1200" u="sng">
+              <a:rPr lang="en-US" sz="1100" u="sng">
                 <a:solidFill>
                   <a:srgbClr val="2AAACB"/>
                 </a:solidFill>
+                <a:latin typeface="Raleway"/>
+                <a:ea typeface="Raleway"/>
+                <a:cs typeface="Raleway"/>
+                <a:sym typeface="Raleway"/>
                 <a:hlinkClick r:id="rId3">
                   <a:extLst>
                     <a:ext uri="{A12FA001-AC4F-418D-AE19-62706E023703}">
@@ -32792,10 +32815,14 @@
               </a:rPr>
               <a:t>https://deephealthproject.github.io/eddl/model/onnx.html#</a:t>
             </a:r>
-            <a:endParaRPr sz="1200">
+            <a:endParaRPr sz="1100">
               <a:solidFill>
                 <a:srgbClr val="2AAACB"/>
               </a:solidFill>
+              <a:latin typeface="Raleway"/>
+              <a:ea typeface="Raleway"/>
+              <a:cs typeface="Raleway"/>
+              <a:sym typeface="Raleway"/>
             </a:endParaRPr>
           </a:p>
         </p:txBody>
@@ -32865,6 +32892,10 @@
                 <a:solidFill>
                   <a:srgbClr val="2797B9"/>
                 </a:solidFill>
+                <a:latin typeface="Raleway"/>
+                <a:ea typeface="Raleway"/>
+                <a:cs typeface="Raleway"/>
+                <a:sym typeface="Raleway"/>
               </a:rPr>
               <a:t>Netron</a:t>
             </a:r>
@@ -32872,6 +32903,10 @@
               <a:solidFill>
                 <a:srgbClr val="2797B9"/>
               </a:solidFill>
+              <a:latin typeface="Raleway"/>
+              <a:ea typeface="Raleway"/>
+              <a:cs typeface="Raleway"/>
+              <a:sym typeface="Raleway"/>
             </a:endParaRPr>
           </a:p>
         </p:txBody>
@@ -32911,7 +32946,12 @@
               <a:buNone/>
             </a:pPr>
             <a:r>
-              <a:rPr lang="en-US" sz="1200"/>
+              <a:rPr lang="en-US" sz="1200">
+                <a:latin typeface="Raleway"/>
+                <a:ea typeface="Raleway"/>
+                <a:cs typeface="Raleway"/>
+                <a:sym typeface="Raleway"/>
+              </a:rPr>
               <a:t>ONNX models visualizer (web app </a:t>
             </a:r>
             <a:r>
@@ -32919,6 +32959,10 @@
                 <a:solidFill>
                   <a:srgbClr val="2AAACB"/>
                 </a:solidFill>
+                <a:latin typeface="Raleway"/>
+                <a:ea typeface="Raleway"/>
+                <a:cs typeface="Raleway"/>
+                <a:sym typeface="Raleway"/>
                 <a:hlinkClick r:id="rId4">
                   <a:extLst>
                     <a:ext uri="{A12FA001-AC4F-418D-AE19-62706E023703}">
@@ -32930,10 +32974,20 @@
               <a:t>here</a:t>
             </a:r>
             <a:r>
-              <a:rPr lang="en-US" sz="1200"/>
+              <a:rPr lang="en-US" sz="1200">
+                <a:latin typeface="Raleway"/>
+                <a:ea typeface="Raleway"/>
+                <a:cs typeface="Raleway"/>
+                <a:sym typeface="Raleway"/>
+              </a:rPr>
               <a:t>)</a:t>
             </a:r>
-            <a:endParaRPr sz="1200"/>
+            <a:endParaRPr sz="1200">
+              <a:latin typeface="Raleway"/>
+              <a:ea typeface="Raleway"/>
+              <a:cs typeface="Raleway"/>
+              <a:sym typeface="Raleway"/>
+            </a:endParaRPr>
           </a:p>
         </p:txBody>
       </p:sp>
@@ -33002,6 +33056,10 @@
                 <a:solidFill>
                   <a:srgbClr val="55C1DB"/>
                 </a:solidFill>
+                <a:latin typeface="Raleway"/>
+                <a:ea typeface="Raleway"/>
+                <a:cs typeface="Raleway"/>
+                <a:sym typeface="Raleway"/>
               </a:rPr>
               <a:t>ONNX Simplifier</a:t>
             </a:r>
@@ -33009,6 +33067,10 @@
               <a:solidFill>
                 <a:srgbClr val="55C1DB"/>
               </a:solidFill>
+              <a:latin typeface="Raleway"/>
+              <a:ea typeface="Raleway"/>
+              <a:cs typeface="Raleway"/>
+              <a:sym typeface="Raleway"/>
             </a:endParaRPr>
           </a:p>
         </p:txBody>
@@ -33048,11 +33110,21 @@
               <a:buNone/>
             </a:pPr>
             <a:r>
-              <a:rPr lang="en-US" sz="1200"/>
+              <a:rPr lang="en-US" sz="1200">
+                <a:latin typeface="Raleway"/>
+                <a:ea typeface="Raleway"/>
+                <a:cs typeface="Raleway"/>
+                <a:sym typeface="Raleway"/>
+              </a:rPr>
               <a:t>Tool to avoid some importing errors </a:t>
             </a:r>
             <a:r>
-              <a:rPr lang="en-US" sz="1200"/>
+              <a:rPr lang="en-US" sz="1200">
+                <a:latin typeface="Raleway"/>
+                <a:ea typeface="Raleway"/>
+                <a:cs typeface="Raleway"/>
+                <a:sym typeface="Raleway"/>
+              </a:rPr>
               <a:t>(github </a:t>
             </a:r>
             <a:r>
@@ -33060,6 +33132,10 @@
                 <a:solidFill>
                   <a:srgbClr val="2AAACB"/>
                 </a:solidFill>
+                <a:latin typeface="Raleway"/>
+                <a:ea typeface="Raleway"/>
+                <a:cs typeface="Raleway"/>
+                <a:sym typeface="Raleway"/>
                 <a:hlinkClick r:id="rId5">
                   <a:extLst>
                     <a:ext uri="{A12FA001-AC4F-418D-AE19-62706E023703}">
@@ -33071,10 +33147,20 @@
               <a:t>here</a:t>
             </a:r>
             <a:r>
-              <a:rPr lang="en-US" sz="1200"/>
+              <a:rPr lang="en-US" sz="1200">
+                <a:latin typeface="Raleway"/>
+                <a:ea typeface="Raleway"/>
+                <a:cs typeface="Raleway"/>
+                <a:sym typeface="Raleway"/>
+              </a:rPr>
               <a:t>)</a:t>
             </a:r>
-            <a:endParaRPr sz="1200"/>
+            <a:endParaRPr sz="1200">
+              <a:latin typeface="Raleway"/>
+              <a:ea typeface="Raleway"/>
+              <a:cs typeface="Raleway"/>
+              <a:sym typeface="Raleway"/>
+            </a:endParaRPr>
           </a:p>
         </p:txBody>
       </p:sp>
@@ -33224,10 +33310,20 @@
               <a:buNone/>
             </a:pPr>
             <a:r>
-              <a:rPr lang="en-US" sz="3600"/>
+              <a:rPr lang="en-US" sz="3600">
+                <a:latin typeface="Raleway"/>
+                <a:ea typeface="Raleway"/>
+                <a:cs typeface="Raleway"/>
+                <a:sym typeface="Raleway"/>
+              </a:rPr>
               <a:t>Thank you!</a:t>
             </a:r>
-            <a:endParaRPr/>
+            <a:endParaRPr>
+              <a:latin typeface="Raleway"/>
+              <a:ea typeface="Raleway"/>
+              <a:cs typeface="Raleway"/>
+              <a:sym typeface="Raleway"/>
+            </a:endParaRPr>
           </a:p>
         </p:txBody>
       </p:sp>
@@ -34467,6 +34563,10 @@
                 <a:solidFill>
                   <a:srgbClr val="2AAACB"/>
                 </a:solidFill>
+                <a:latin typeface="Raleway"/>
+                <a:ea typeface="Raleway"/>
+                <a:cs typeface="Raleway"/>
+                <a:sym typeface="Raleway"/>
               </a:rPr>
               <a:t>Key benefits</a:t>
             </a:r>
@@ -34474,6 +34574,10 @@
               <a:solidFill>
                 <a:srgbClr val="2AAACB"/>
               </a:solidFill>
+              <a:latin typeface="Raleway"/>
+              <a:ea typeface="Raleway"/>
+              <a:cs typeface="Raleway"/>
+              <a:sym typeface="Raleway"/>
             </a:endParaRPr>
           </a:p>
         </p:txBody>
@@ -34734,7 +34838,7 @@
                   <a:schemeClr val="dk2"/>
                 </a:solidFill>
               </a:rPr>
-              <a:t>don’t support</a:t>
+              <a:t>do not support</a:t>
             </a:r>
             <a:r>
               <a:rPr lang="en-US" sz="1400"/>
